--- a/trabajo/transparencias.pptx
+++ b/trabajo/transparencias.pptx
@@ -9,15 +9,15 @@
     <p:sldId id="257" r:id="rId3"/>
     <p:sldId id="258" r:id="rId4"/>
     <p:sldId id="259" r:id="rId5"/>
-    <p:sldId id="272" r:id="rId6"/>
-    <p:sldId id="260" r:id="rId7"/>
-    <p:sldId id="261" r:id="rId8"/>
-    <p:sldId id="266" r:id="rId9"/>
-    <p:sldId id="267" r:id="rId10"/>
-    <p:sldId id="268" r:id="rId11"/>
-    <p:sldId id="262" r:id="rId12"/>
-    <p:sldId id="265" r:id="rId13"/>
-    <p:sldId id="264" r:id="rId14"/>
+    <p:sldId id="260" r:id="rId6"/>
+    <p:sldId id="261" r:id="rId7"/>
+    <p:sldId id="266" r:id="rId8"/>
+    <p:sldId id="267" r:id="rId9"/>
+    <p:sldId id="268" r:id="rId10"/>
+    <p:sldId id="262" r:id="rId11"/>
+    <p:sldId id="265" r:id="rId12"/>
+    <p:sldId id="264" r:id="rId13"/>
+    <p:sldId id="273" r:id="rId14"/>
     <p:sldId id="269" r:id="rId15"/>
     <p:sldId id="263" r:id="rId16"/>
     <p:sldId id="270" r:id="rId17"/>
@@ -764,7 +764,7 @@
           <a:p>
             <a:fld id="{60C697FB-FA47-44F9-88B8-BBE0913F52A3}" type="datetimeFigureOut">
               <a:rPr lang="es-ES" smtClean="0"/>
-              <a:t>28/05/2015</a:t>
+              <a:t>29/05/2015</a:t>
             </a:fld>
             <a:endParaRPr lang="es-ES"/>
           </a:p>
@@ -960,7 +960,7 @@
           <a:p>
             <a:fld id="{60C697FB-FA47-44F9-88B8-BBE0913F52A3}" type="datetimeFigureOut">
               <a:rPr lang="es-ES" smtClean="0"/>
-              <a:t>28/05/2015</a:t>
+              <a:t>29/05/2015</a:t>
             </a:fld>
             <a:endParaRPr lang="es-ES"/>
           </a:p>
@@ -1145,7 +1145,7 @@
           <a:p>
             <a:fld id="{60C697FB-FA47-44F9-88B8-BBE0913F52A3}" type="datetimeFigureOut">
               <a:rPr lang="es-ES" smtClean="0"/>
-              <a:t>28/05/2015</a:t>
+              <a:t>29/05/2015</a:t>
             </a:fld>
             <a:endParaRPr lang="es-ES"/>
           </a:p>
@@ -1295,7 +1295,7 @@
           <a:p>
             <a:fld id="{60C697FB-FA47-44F9-88B8-BBE0913F52A3}" type="datetimeFigureOut">
               <a:rPr lang="es-ES" smtClean="0"/>
-              <a:t>28/05/2015</a:t>
+              <a:t>29/05/2015</a:t>
             </a:fld>
             <a:endParaRPr lang="es-ES"/>
           </a:p>
@@ -1550,7 +1550,7 @@
           <a:p>
             <a:fld id="{60C697FB-FA47-44F9-88B8-BBE0913F52A3}" type="datetimeFigureOut">
               <a:rPr lang="es-ES" smtClean="0"/>
-              <a:t>28/05/2015</a:t>
+              <a:t>29/05/2015</a:t>
             </a:fld>
             <a:endParaRPr lang="es-ES"/>
           </a:p>
@@ -1959,7 +1959,7 @@
           <a:p>
             <a:fld id="{60C697FB-FA47-44F9-88B8-BBE0913F52A3}" type="datetimeFigureOut">
               <a:rPr lang="es-ES" smtClean="0"/>
-              <a:t>28/05/2015</a:t>
+              <a:t>29/05/2015</a:t>
             </a:fld>
             <a:endParaRPr lang="es-ES"/>
           </a:p>
@@ -2405,7 +2405,7 @@
           <a:p>
             <a:fld id="{60C697FB-FA47-44F9-88B8-BBE0913F52A3}" type="datetimeFigureOut">
               <a:rPr lang="es-ES" smtClean="0"/>
-              <a:t>28/05/2015</a:t>
+              <a:t>29/05/2015</a:t>
             </a:fld>
             <a:endParaRPr lang="es-ES"/>
           </a:p>
@@ -2506,7 +2506,7 @@
           <a:p>
             <a:fld id="{60C697FB-FA47-44F9-88B8-BBE0913F52A3}" type="datetimeFigureOut">
               <a:rPr lang="es-ES" smtClean="0"/>
-              <a:t>28/05/2015</a:t>
+              <a:t>29/05/2015</a:t>
             </a:fld>
             <a:endParaRPr lang="es-ES"/>
           </a:p>
@@ -2627,7 +2627,7 @@
           <a:p>
             <a:fld id="{60C697FB-FA47-44F9-88B8-BBE0913F52A3}" type="datetimeFigureOut">
               <a:rPr lang="es-ES" smtClean="0"/>
-              <a:t>28/05/2015</a:t>
+              <a:t>29/05/2015</a:t>
             </a:fld>
             <a:endParaRPr lang="es-ES"/>
           </a:p>
@@ -2901,7 +2901,7 @@
           <a:p>
             <a:fld id="{60C697FB-FA47-44F9-88B8-BBE0913F52A3}" type="datetimeFigureOut">
               <a:rPr lang="es-ES" smtClean="0"/>
-              <a:t>28/05/2015</a:t>
+              <a:t>29/05/2015</a:t>
             </a:fld>
             <a:endParaRPr lang="es-ES"/>
           </a:p>
@@ -3106,7 +3106,7 @@
           <a:p>
             <a:fld id="{60C697FB-FA47-44F9-88B8-BBE0913F52A3}" type="datetimeFigureOut">
               <a:rPr lang="es-ES" smtClean="0"/>
-              <a:t>28/05/2015</a:t>
+              <a:t>29/05/2015</a:t>
             </a:fld>
             <a:endParaRPr lang="es-ES"/>
           </a:p>
@@ -4215,7 +4215,7 @@
           <a:p>
             <a:fld id="{60C697FB-FA47-44F9-88B8-BBE0913F52A3}" type="datetimeFigureOut">
               <a:rPr lang="es-ES" smtClean="0"/>
-              <a:t>28/05/2015</a:t>
+              <a:t>29/05/2015</a:t>
             </a:fld>
             <a:endParaRPr lang="es-ES"/>
           </a:p>
@@ -4644,20 +4644,24 @@
               <a:t>¿</a:t>
             </a:r>
             <a:r>
+              <a:rPr lang="es-ES" dirty="0" smtClean="0"/>
+              <a:t>Qué </a:t>
+            </a:r>
+            <a:r>
+              <a:rPr lang="es-ES" dirty="0" smtClean="0"/>
+              <a:t>es </a:t>
+            </a:r>
+            <a:r>
               <a:rPr lang="es-ES" dirty="0" err="1" smtClean="0"/>
-              <a:t>Qúe</a:t>
-            </a:r>
-            <a:r>
-              <a:rPr lang="es-ES" dirty="0" smtClean="0"/>
-              <a:t> es </a:t>
-            </a:r>
-            <a:r>
-              <a:rPr lang="es-ES" dirty="0" err="1" smtClean="0"/>
-              <a:t>memcached</a:t>
-            </a:r>
-            <a:r>
-              <a:rPr lang="es-ES" dirty="0" smtClean="0"/>
-              <a:t> y cómo usarlo?</a:t>
+              <a:t>Memcached</a:t>
+            </a:r>
+            <a:r>
+              <a:rPr lang="es-ES" dirty="0" smtClean="0"/>
+              <a:t> </a:t>
+            </a:r>
+            <a:r>
+              <a:rPr lang="es-ES" dirty="0" smtClean="0"/>
+              <a:t>y cómo usarlo?</a:t>
             </a:r>
             <a:endParaRPr lang="es-ES" dirty="0"/>
           </a:p>
@@ -4722,7 +4726,7 @@
       </p:grpSpPr>
       <p:sp>
         <p:nvSpPr>
-          <p:cNvPr id="2" name="Marcador de contenido 1"/>
+          <p:cNvPr id="2" name="1 Marcador de contenido"/>
           <p:cNvSpPr>
             <a:spLocks noGrp="1"/>
           </p:cNvSpPr>
@@ -4730,130 +4734,68 @@
             <p:ph idx="1"/>
           </p:nvPr>
         </p:nvSpPr>
-        <p:spPr>
-          <a:xfrm>
-            <a:off x="457200" y="404664"/>
-            <a:ext cx="8229600" cy="5602627"/>
-          </a:xfrm>
-        </p:spPr>
-        <p:txBody>
-          <a:bodyPr/>
+        <p:spPr/>
+        <p:txBody>
+          <a:bodyPr>
+            <a:normAutofit lnSpcReduction="10000"/>
+          </a:bodyPr>
           <a:lstStyle/>
+          <a:p>
+            <a:r>
+              <a:rPr lang="es-ES" dirty="0" smtClean="0"/>
+              <a:t>Reducir los niveles de carga de los servidores. Ésta es la primera gran ventaja del uso de este sistema, ya que gracias a él se reducen el número de consultas a la base de datos</a:t>
+            </a:r>
+            <a:r>
+              <a:rPr lang="es-ES" dirty="0" smtClean="0"/>
+              <a:t>.</a:t>
+            </a:r>
+          </a:p>
           <a:p>
             <a:pPr marL="109728" indent="0">
               <a:buNone/>
             </a:pPr>
-            <a:r>
-              <a:rPr lang="es-ES" dirty="0" smtClean="0"/>
-              <a:t>Otras…</a:t>
+            <a:endParaRPr lang="es-ES" dirty="0" smtClean="0"/>
+          </a:p>
+          <a:p>
+            <a:r>
+              <a:rPr lang="es-ES" dirty="0" err="1" smtClean="0"/>
+              <a:t>Memcached</a:t>
+            </a:r>
+            <a:r>
+              <a:rPr lang="es-ES" dirty="0" smtClean="0"/>
+              <a:t> permite ajustar el espacio de memoria dedicado, dado que se ejecuta como servidores montados sobre uno o varios equipos, permitiendo indicar la cantidad de memoria destinada para el almacenamiento de información.</a:t>
             </a:r>
           </a:p>
           <a:p>
             <a:endParaRPr lang="es-ES" dirty="0"/>
           </a:p>
-          <a:p>
-            <a:r>
-              <a:rPr lang="es-ES" b="1" dirty="0" err="1"/>
-              <a:t>getStats</a:t>
-            </a:r>
-            <a:r>
-              <a:rPr lang="es-ES" b="1" dirty="0" smtClean="0"/>
-              <a:t>():</a:t>
-            </a:r>
-            <a:r>
-              <a:rPr lang="es-ES" dirty="0"/>
-              <a:t> </a:t>
-            </a:r>
-            <a:r>
-              <a:rPr lang="es-ES" dirty="0" smtClean="0"/>
-              <a:t>Devuelve </a:t>
-            </a:r>
-            <a:r>
-              <a:rPr lang="es-ES" dirty="0"/>
-              <a:t>un </a:t>
-            </a:r>
-            <a:r>
-              <a:rPr lang="es-ES" dirty="0" err="1"/>
-              <a:t>array</a:t>
-            </a:r>
-            <a:r>
-              <a:rPr lang="es-ES" dirty="0"/>
-              <a:t> que contiene el estado de todos los servidores de </a:t>
-            </a:r>
-            <a:r>
-              <a:rPr lang="es-ES" dirty="0" err="1" smtClean="0"/>
-              <a:t>memcached</a:t>
-            </a:r>
-            <a:r>
-              <a:rPr lang="es-ES" dirty="0" smtClean="0"/>
-              <a:t> </a:t>
-            </a:r>
-            <a:r>
-              <a:rPr lang="es-ES" dirty="0"/>
-              <a:t>disponibles</a:t>
-            </a:r>
-            <a:r>
-              <a:rPr lang="es-ES" dirty="0" smtClean="0"/>
-              <a:t>.</a:t>
-            </a:r>
-          </a:p>
-          <a:p>
+        </p:txBody>
+      </p:sp>
+      <p:sp>
+        <p:nvSpPr>
+          <p:cNvPr id="3" name="2 Título"/>
+          <p:cNvSpPr>
+            <a:spLocks noGrp="1"/>
+          </p:cNvSpPr>
+          <p:nvPr>
+            <p:ph type="title"/>
+          </p:nvPr>
+        </p:nvSpPr>
+        <p:spPr/>
+        <p:txBody>
+          <a:bodyPr/>
+          <a:lstStyle/>
+          <a:p>
+            <a:pPr algn="ctr"/>
+            <a:r>
+              <a:rPr lang="es-ES" dirty="0" smtClean="0"/>
+              <a:t>Ventajas</a:t>
+            </a:r>
             <a:endParaRPr lang="es-ES" dirty="0"/>
           </a:p>
-          <a:p>
-            <a:r>
-              <a:rPr lang="es-ES" b="1" dirty="0" err="1"/>
-              <a:t>fetch</a:t>
-            </a:r>
-            <a:r>
-              <a:rPr lang="es-ES" b="1" dirty="0" smtClean="0"/>
-              <a:t>()</a:t>
-            </a:r>
-            <a:r>
-              <a:rPr lang="es-ES" dirty="0" smtClean="0"/>
-              <a:t>: Obtiene </a:t>
-            </a:r>
-            <a:r>
-              <a:rPr lang="es-ES" dirty="0"/>
-              <a:t>el siguiente resultado de la última petición</a:t>
-            </a:r>
-            <a:r>
-              <a:rPr lang="es-ES" dirty="0" smtClean="0"/>
-              <a:t>.</a:t>
-            </a:r>
-          </a:p>
-          <a:p>
-            <a:endParaRPr lang="es-ES" dirty="0"/>
-          </a:p>
-          <a:p>
-            <a:r>
-              <a:rPr lang="es-ES" b="1" dirty="0" err="1"/>
-              <a:t>fetchAll</a:t>
-            </a:r>
-            <a:r>
-              <a:rPr lang="es-ES" b="1" dirty="0" smtClean="0"/>
-              <a:t>()</a:t>
-            </a:r>
-            <a:r>
-              <a:rPr lang="es-ES" dirty="0" smtClean="0"/>
-              <a:t>: Obtiene </a:t>
-            </a:r>
-            <a:r>
-              <a:rPr lang="es-ES" dirty="0"/>
-              <a:t>todos los resultados restantes de la última petición.</a:t>
-            </a:r>
-          </a:p>
-          <a:p>
-            <a:endParaRPr lang="es-ES" dirty="0"/>
-          </a:p>
         </p:txBody>
       </p:sp>
     </p:spTree>
-    <p:extLst>
-      <p:ext uri="{BB962C8B-B14F-4D97-AF65-F5344CB8AC3E}">
-        <p14:creationId xmlns:p14="http://schemas.microsoft.com/office/powerpoint/2010/main" val="27808300"/>
-      </p:ext>
-    </p:extLst>
   </p:cSld>
   <p:clrMapOvr>
     <a:masterClrMapping/>
@@ -4888,52 +4830,56 @@
             <p:ph idx="1"/>
           </p:nvPr>
         </p:nvSpPr>
-        <p:spPr/>
+        <p:spPr>
+          <a:xfrm>
+            <a:off x="457200" y="764704"/>
+            <a:ext cx="8229600" cy="5242587"/>
+          </a:xfrm>
+        </p:spPr>
         <p:txBody>
           <a:bodyPr>
-            <a:normAutofit/>
+            <a:normAutofit fontScale="92500" lnSpcReduction="20000"/>
           </a:bodyPr>
           <a:lstStyle/>
           <a:p>
             <a:r>
               <a:rPr lang="es-ES" dirty="0" smtClean="0"/>
-              <a:t>Reducir los niveles de carga de los servidores. Ésta es la primera gran ventaja del uso de este sistema, ya que gracias a él se reducen el número de consultas a la base de datos.</a:t>
-            </a:r>
-          </a:p>
-          <a:p>
-            <a:r>
-              <a:rPr lang="es-ES" dirty="0" err="1" smtClean="0"/>
-              <a:t>Memcached</a:t>
-            </a:r>
-            <a:r>
-              <a:rPr lang="es-ES" dirty="0" smtClean="0"/>
-              <a:t> permite ajustar el espacio de memoria dedicado, dado que se ejecuta como servidores montados sobre uno o varios equipos, permitiendo indicar la cantidad de memoria destinada para el almacenamiento de información.</a:t>
-            </a:r>
-          </a:p>
-          <a:p>
-            <a:endParaRPr lang="es-ES" dirty="0"/>
-          </a:p>
-        </p:txBody>
-      </p:sp>
-      <p:sp>
-        <p:nvSpPr>
-          <p:cNvPr id="3" name="2 Título"/>
-          <p:cNvSpPr>
-            <a:spLocks noGrp="1"/>
-          </p:cNvSpPr>
-          <p:nvPr>
-            <p:ph type="title"/>
-          </p:nvPr>
-        </p:nvSpPr>
-        <p:spPr/>
-        <p:txBody>
-          <a:bodyPr/>
-          <a:lstStyle/>
-          <a:p>
-            <a:r>
-              <a:rPr lang="es-ES" dirty="0" smtClean="0"/>
-              <a:t>Ventajas</a:t>
-            </a:r>
+              <a:t>Este sistema ofrece la posibilidad de almacenar lo que se quiera, a criterio del desarrollador. Lo que facilita que se puedan cachear cosas tan diversas como resultados de cálculos o consultas a base de datos complejas, información de sesiones de los usuarios, etc</a:t>
+            </a:r>
+            <a:r>
+              <a:rPr lang="es-ES" dirty="0" smtClean="0"/>
+              <a:t>.</a:t>
+            </a:r>
+          </a:p>
+          <a:p>
+            <a:pPr marL="109728" indent="0">
+              <a:buNone/>
+            </a:pPr>
+            <a:endParaRPr lang="es-ES" dirty="0" smtClean="0"/>
+          </a:p>
+          <a:p>
+            <a:r>
+              <a:rPr lang="es-ES" dirty="0" smtClean="0"/>
+              <a:t>La comunicación que se produce entre clientes y el servidor es muy sencilla, y basada en comandos</a:t>
+            </a:r>
+            <a:r>
+              <a:rPr lang="es-ES" dirty="0" smtClean="0"/>
+              <a:t>.</a:t>
+            </a:r>
+          </a:p>
+          <a:p>
+            <a:pPr marL="109728" indent="0">
+              <a:buNone/>
+            </a:pPr>
+            <a:endParaRPr lang="es-ES" dirty="0" smtClean="0"/>
+          </a:p>
+          <a:p>
+            <a:r>
+              <a:rPr lang="es-ES" dirty="0" smtClean="0"/>
+              <a:t>Ofrece la posibilidad de controlar el tiempo de vida de un objeto, indicando el “tiempo de expiración” asociado al mismo, en el momento de realizar una operación de almacenamiento.</a:t>
+            </a:r>
+          </a:p>
+          <a:p>
             <a:endParaRPr lang="es-ES" dirty="0"/>
           </a:p>
         </p:txBody>
@@ -4973,36 +4919,197 @@
             <p:ph idx="1"/>
           </p:nvPr>
         </p:nvSpPr>
-        <p:spPr>
-          <a:xfrm>
-            <a:off x="457200" y="764704"/>
-            <a:ext cx="8229600" cy="5242587"/>
-          </a:xfrm>
-        </p:spPr>
+        <p:spPr/>
         <p:txBody>
           <a:bodyPr>
-            <a:normAutofit fontScale="92500"/>
+            <a:normAutofit/>
           </a:bodyPr>
           <a:lstStyle/>
           <a:p>
             <a:r>
-              <a:rPr lang="es-ES" dirty="0" smtClean="0"/>
-              <a:t>Este sistema ofrece la posibilidad de almacenar lo que se quiera, a criterio del desarrollador. Lo que facilita que se puedan cachear cosas tan diversas como resultados de cálculos o consultas a base de datos complejas, información de sesiones de los usuarios, etc.</a:t>
-            </a:r>
-          </a:p>
-          <a:p>
-            <a:r>
-              <a:rPr lang="es-ES" dirty="0" smtClean="0"/>
-              <a:t>La comunicación que se produce entre clientes y el servidor es muy sencilla, y basada en comandos.</a:t>
-            </a:r>
-          </a:p>
-          <a:p>
-            <a:r>
-              <a:rPr lang="es-ES" dirty="0" smtClean="0"/>
-              <a:t>Ofrece la posibilidad de controlar el tiempo de vida de un objeto, indicando el “tiempo de expiración” asociado al mismo, en el momento de realizar una operación de almacenamiento.</a:t>
-            </a:r>
-          </a:p>
-          <a:p>
+              <a:rPr lang="es-ES" b="1" dirty="0" err="1" smtClean="0"/>
+              <a:t>Prerequisitos</a:t>
+            </a:r>
+            <a:r>
+              <a:rPr lang="es-ES" b="1" dirty="0" smtClean="0"/>
+              <a:t>: </a:t>
+            </a:r>
+            <a:r>
+              <a:rPr lang="es-ES" dirty="0" smtClean="0"/>
+              <a:t>Tener instalado Ubuntu 14.0 y Tener instalado LAMP (Apache + </a:t>
+            </a:r>
+            <a:r>
+              <a:rPr lang="es-ES" dirty="0" err="1" smtClean="0"/>
+              <a:t>MySQL</a:t>
+            </a:r>
+            <a:r>
+              <a:rPr lang="es-ES" dirty="0" smtClean="0"/>
+              <a:t>+ PHP)</a:t>
+            </a:r>
+          </a:p>
+          <a:p>
+            <a:pPr marL="109728" indent="0">
+              <a:buNone/>
+            </a:pPr>
+            <a:endParaRPr lang="es-ES" dirty="0" smtClean="0"/>
+          </a:p>
+          <a:p>
+            <a:r>
+              <a:rPr lang="es-ES" dirty="0" smtClean="0"/>
+              <a:t>Según el tipo de sistema operativo:</a:t>
+            </a:r>
+          </a:p>
+          <a:p>
+            <a:pPr>
+              <a:buNone/>
+            </a:pPr>
+            <a:r>
+              <a:rPr lang="es-ES" dirty="0" smtClean="0"/>
+              <a:t>	-</a:t>
+            </a:r>
+            <a:r>
+              <a:rPr lang="es-ES" b="1" dirty="0" smtClean="0"/>
+              <a:t>Ubuntu/</a:t>
+            </a:r>
+            <a:r>
+              <a:rPr lang="es-ES" b="1" dirty="0" err="1" smtClean="0"/>
+              <a:t>Debian</a:t>
+            </a:r>
+            <a:r>
+              <a:rPr lang="es-ES" dirty="0" smtClean="0"/>
+              <a:t>: sudo </a:t>
+            </a:r>
+            <a:r>
+              <a:rPr lang="es-ES" dirty="0" err="1" smtClean="0"/>
+              <a:t>apt-get</a:t>
+            </a:r>
+            <a:r>
+              <a:rPr lang="es-ES" dirty="0" smtClean="0"/>
+              <a:t> </a:t>
+            </a:r>
+            <a:r>
+              <a:rPr lang="es-ES" dirty="0" err="1" smtClean="0"/>
+              <a:t>install</a:t>
+            </a:r>
+            <a:r>
+              <a:rPr lang="es-ES" dirty="0" smtClean="0"/>
+              <a:t> </a:t>
+            </a:r>
+            <a:r>
+              <a:rPr lang="es-ES" dirty="0" err="1" smtClean="0"/>
+              <a:t>memcached</a:t>
+            </a:r>
+            <a:endParaRPr lang="es-ES" dirty="0" smtClean="0"/>
+          </a:p>
+          <a:p>
+            <a:pPr>
+              <a:buNone/>
+            </a:pPr>
+            <a:r>
+              <a:rPr lang="es-ES" dirty="0" smtClean="0"/>
+              <a:t>	-</a:t>
+            </a:r>
+            <a:r>
+              <a:rPr lang="es-ES" b="1" dirty="0" err="1" smtClean="0"/>
+              <a:t>RedHat</a:t>
+            </a:r>
+            <a:r>
+              <a:rPr lang="es-ES" b="1" dirty="0" smtClean="0"/>
+              <a:t>/</a:t>
+            </a:r>
+            <a:r>
+              <a:rPr lang="es-ES" b="1" dirty="0" err="1" smtClean="0"/>
+              <a:t>Fedora</a:t>
+            </a:r>
+            <a:r>
+              <a:rPr lang="es-ES" dirty="0" smtClean="0"/>
+              <a:t>: </a:t>
+            </a:r>
+            <a:r>
+              <a:rPr lang="es-ES" dirty="0" err="1" smtClean="0"/>
+              <a:t>yum</a:t>
+            </a:r>
+            <a:r>
+              <a:rPr lang="es-ES" dirty="0" smtClean="0"/>
+              <a:t> </a:t>
+            </a:r>
+            <a:r>
+              <a:rPr lang="es-ES" dirty="0" err="1" smtClean="0"/>
+              <a:t>install</a:t>
+            </a:r>
+            <a:r>
+              <a:rPr lang="es-ES" dirty="0" smtClean="0"/>
+              <a:t> </a:t>
+            </a:r>
+            <a:r>
+              <a:rPr lang="es-ES" dirty="0" err="1" smtClean="0"/>
+              <a:t>memcached</a:t>
+            </a:r>
+            <a:endParaRPr lang="es-ES" dirty="0" smtClean="0"/>
+          </a:p>
+          <a:p>
+            <a:pPr>
+              <a:buNone/>
+            </a:pPr>
+            <a:r>
+              <a:rPr lang="es-ES" dirty="0" smtClean="0"/>
+              <a:t>	-</a:t>
+            </a:r>
+            <a:r>
+              <a:rPr lang="es-ES" b="1" dirty="0" err="1" smtClean="0"/>
+              <a:t>FreeBSD</a:t>
+            </a:r>
+            <a:r>
+              <a:rPr lang="es-ES" dirty="0" smtClean="0"/>
+              <a:t>: </a:t>
+            </a:r>
+            <a:r>
+              <a:rPr lang="es-ES" dirty="0" err="1" smtClean="0"/>
+              <a:t>portmaster</a:t>
+            </a:r>
+            <a:r>
+              <a:rPr lang="es-ES" dirty="0" smtClean="0"/>
+              <a:t> </a:t>
+            </a:r>
+            <a:r>
+              <a:rPr lang="es-ES" dirty="0" err="1" smtClean="0"/>
+              <a:t>databases</a:t>
+            </a:r>
+            <a:r>
+              <a:rPr lang="es-ES" dirty="0" smtClean="0"/>
+              <a:t>/</a:t>
+            </a:r>
+            <a:r>
+              <a:rPr lang="es-ES" dirty="0" err="1" smtClean="0"/>
+              <a:t>memcached</a:t>
+            </a:r>
+            <a:endParaRPr lang="es-ES" dirty="0" smtClean="0"/>
+          </a:p>
+          <a:p>
+            <a:endParaRPr lang="es-ES" dirty="0"/>
+          </a:p>
+        </p:txBody>
+      </p:sp>
+      <p:sp>
+        <p:nvSpPr>
+          <p:cNvPr id="3" name="2 Título"/>
+          <p:cNvSpPr>
+            <a:spLocks noGrp="1"/>
+          </p:cNvSpPr>
+          <p:nvPr>
+            <p:ph type="title"/>
+          </p:nvPr>
+        </p:nvSpPr>
+        <p:spPr/>
+        <p:txBody>
+          <a:bodyPr/>
+          <a:lstStyle/>
+          <a:p>
+            <a:pPr algn="ctr"/>
+            <a:r>
+              <a:rPr lang="es-ES" dirty="0" smtClean="0"/>
+              <a:t>Instalación</a:t>
+            </a:r>
             <a:endParaRPr lang="es-ES" dirty="0"/>
           </a:p>
         </p:txBody>
@@ -5034,242 +5141,515 @@
       </p:grpSpPr>
       <p:sp>
         <p:nvSpPr>
-          <p:cNvPr id="2" name="1 Marcador de contenido"/>
-          <p:cNvSpPr>
-            <a:spLocks noGrp="1"/>
+          <p:cNvPr id="4" name="Rectangle 1"/>
+          <p:cNvSpPr>
+            <a:spLocks noGrp="1" noChangeArrowheads="1"/>
           </p:cNvSpPr>
           <p:nvPr>
             <p:ph idx="1"/>
           </p:nvPr>
         </p:nvSpPr>
-        <p:spPr/>
-        <p:txBody>
-          <a:bodyPr>
-            <a:normAutofit fontScale="92500"/>
+        <p:spPr bwMode="auto">
+          <a:xfrm>
+            <a:off x="251520" y="3573016"/>
+            <a:ext cx="8451031" cy="2215991"/>
+          </a:xfrm>
+          <a:prstGeom prst="rect">
+            <a:avLst/>
+          </a:prstGeom>
+          <a:solidFill>
+            <a:schemeClr val="bg1"/>
+          </a:solidFill>
+          <a:ln>
+            <a:noFill/>
+          </a:ln>
+          <a:effectLst/>
+        </p:spPr>
+        <p:txBody>
+          <a:bodyPr vert="horz" wrap="none" lIns="0" tIns="0" rIns="0" bIns="0" numCol="1" anchor="ctr" anchorCtr="0" compatLnSpc="1">
+            <a:prstTxWarp prst="textNoShape">
+              <a:avLst/>
+            </a:prstTxWarp>
+            <a:spAutoFit/>
           </a:bodyPr>
           <a:lstStyle/>
           <a:p>
-            <a:r>
-              <a:rPr lang="es-ES" b="1" dirty="0" err="1" smtClean="0"/>
-              <a:t>Prerequisitos</a:t>
-            </a:r>
-            <a:r>
-              <a:rPr lang="es-ES" b="1" dirty="0" smtClean="0"/>
-              <a:t>: </a:t>
-            </a:r>
-            <a:r>
-              <a:rPr lang="es-ES" dirty="0" smtClean="0"/>
-              <a:t>Tener instalado Ubuntu 14.0 y Tener instalado </a:t>
-            </a:r>
-            <a:r>
-              <a:rPr lang="es-ES" dirty="0" smtClean="0"/>
-              <a:t>LAMP (Apache + </a:t>
-            </a:r>
-            <a:r>
-              <a:rPr lang="es-ES" dirty="0" err="1" smtClean="0"/>
-              <a:t>MySQL</a:t>
-            </a:r>
-            <a:r>
-              <a:rPr lang="es-ES" dirty="0" smtClean="0"/>
-              <a:t>+ PHP)</a:t>
-            </a:r>
-          </a:p>
-          <a:p>
-            <a:pPr marL="109728" indent="0">
+            <a:pPr marL="0" marR="0" lvl="0" indent="0" algn="l" defTabSz="914400" rtl="0" eaLnBrk="0" fontAlgn="base" latinLnBrk="0" hangingPunct="0">
+              <a:lnSpc>
+                <a:spcPct val="100000"/>
+              </a:lnSpc>
+              <a:spcBef>
+                <a:spcPct val="0"/>
+              </a:spcBef>
+              <a:spcAft>
+                <a:spcPct val="0"/>
+              </a:spcAft>
+              <a:buClrTx/>
+              <a:buSzTx/>
+              <a:buFontTx/>
               <a:buNone/>
+              <a:tabLst/>
             </a:pPr>
-            <a:endParaRPr lang="es-ES" sz="2000" dirty="0" smtClean="0"/>
-          </a:p>
-          <a:p>
-            <a:pPr marL="109728" indent="0">
+            <a:r>
+              <a:rPr kumimoji="0" lang="es-ES" altLang="es-ES" sz="1800" b="0" i="0" u="none" strike="noStrike" cap="none" normalizeH="0" baseline="0" dirty="0" smtClean="0">
+                <a:ln>
+                  <a:noFill/>
+                </a:ln>
+                <a:solidFill>
+                  <a:srgbClr val="333333"/>
+                </a:solidFill>
+                <a:effectLst/>
+                <a:latin typeface="Helvetica" panose="020B0604020202020204" pitchFamily="34" charset="0"/>
+                <a:cs typeface="Times New Roman" panose="02020603050405020304" pitchFamily="18" charset="0"/>
+              </a:rPr>
+              <a:t>Es muy importante activar el paquete de </a:t>
+            </a:r>
+            <a:r>
+              <a:rPr kumimoji="0" lang="es-ES" altLang="es-ES" sz="1800" b="0" i="0" u="none" strike="noStrike" cap="none" normalizeH="0" baseline="0" dirty="0" err="1" smtClean="0">
+                <a:ln>
+                  <a:noFill/>
+                </a:ln>
+                <a:solidFill>
+                  <a:srgbClr val="333333"/>
+                </a:solidFill>
+                <a:effectLst/>
+                <a:latin typeface="Helvetica" panose="020B0604020202020204" pitchFamily="34" charset="0"/>
+                <a:cs typeface="Times New Roman" panose="02020603050405020304" pitchFamily="18" charset="0"/>
+              </a:rPr>
+              <a:t>memcached</a:t>
+            </a:r>
+            <a:r>
+              <a:rPr kumimoji="0" lang="es-ES" altLang="es-ES" sz="1800" b="0" i="0" u="none" strike="noStrike" cap="none" normalizeH="0" baseline="0" dirty="0" smtClean="0">
+                <a:ln>
+                  <a:noFill/>
+                </a:ln>
+                <a:solidFill>
+                  <a:srgbClr val="333333"/>
+                </a:solidFill>
+                <a:effectLst/>
+                <a:latin typeface="Helvetica" panose="020B0604020202020204" pitchFamily="34" charset="0"/>
+                <a:cs typeface="Times New Roman" panose="02020603050405020304" pitchFamily="18" charset="0"/>
+              </a:rPr>
+              <a:t>. </a:t>
+            </a:r>
+          </a:p>
+          <a:p>
+            <a:pPr marL="0" marR="0" lvl="0" indent="0" algn="l" defTabSz="914400" rtl="0" eaLnBrk="0" fontAlgn="base" latinLnBrk="0" hangingPunct="0">
+              <a:lnSpc>
+                <a:spcPct val="100000"/>
+              </a:lnSpc>
+              <a:spcBef>
+                <a:spcPct val="0"/>
+              </a:spcBef>
+              <a:spcAft>
+                <a:spcPct val="0"/>
+              </a:spcAft>
+              <a:buClrTx/>
+              <a:buSzTx/>
+              <a:buFontTx/>
               <a:buNone/>
+              <a:tabLst/>
             </a:pPr>
             <a:r>
-              <a:rPr lang="es-ES" sz="2000" dirty="0" smtClean="0"/>
-              <a:t>Desde </a:t>
-            </a:r>
-            <a:r>
-              <a:rPr lang="es-ES" sz="2000" dirty="0"/>
-              <a:t>la versión 0.2.0 de </a:t>
-            </a:r>
-            <a:r>
-              <a:rPr lang="es-ES" sz="2000" dirty="0" err="1" smtClean="0"/>
-              <a:t>Memcached</a:t>
-            </a:r>
-            <a:r>
-              <a:rPr lang="es-ES" sz="2000" dirty="0" smtClean="0"/>
-              <a:t> </a:t>
-            </a:r>
-            <a:r>
-              <a:rPr lang="es-ES" sz="2000" dirty="0"/>
-              <a:t>se requiere la versión 5.2.0 o superior de PHP.</a:t>
-            </a:r>
-            <a:endParaRPr lang="es-ES" sz="2000" dirty="0" smtClean="0"/>
-          </a:p>
-          <a:p>
-            <a:endParaRPr lang="es-ES" dirty="0" smtClean="0"/>
-          </a:p>
-          <a:p>
-            <a:r>
-              <a:rPr lang="es-ES" dirty="0" smtClean="0"/>
-              <a:t>Según el tipo de sistema operativo:</a:t>
-            </a:r>
-          </a:p>
-          <a:p>
-            <a:pPr>
+              <a:rPr kumimoji="0" lang="es-ES" altLang="es-ES" sz="1800" b="0" i="0" u="none" strike="noStrike" cap="none" normalizeH="0" baseline="0" dirty="0" smtClean="0">
+                <a:ln>
+                  <a:noFill/>
+                </a:ln>
+                <a:solidFill>
+                  <a:srgbClr val="333333"/>
+                </a:solidFill>
+                <a:effectLst/>
+                <a:latin typeface="Helvetica" panose="020B0604020202020204" pitchFamily="34" charset="0"/>
+                <a:cs typeface="Times New Roman" panose="02020603050405020304" pitchFamily="18" charset="0"/>
+              </a:rPr>
+              <a:t>Accedemos al archivo memcached.ini que encontramos en la ruta /</a:t>
+            </a:r>
+            <a:r>
+              <a:rPr kumimoji="0" lang="es-ES" altLang="es-ES" sz="1800" b="0" i="0" u="none" strike="noStrike" cap="none" normalizeH="0" baseline="0" dirty="0" err="1" smtClean="0">
+                <a:ln>
+                  <a:noFill/>
+                </a:ln>
+                <a:solidFill>
+                  <a:srgbClr val="333333"/>
+                </a:solidFill>
+                <a:effectLst/>
+                <a:latin typeface="Helvetica" panose="020B0604020202020204" pitchFamily="34" charset="0"/>
+                <a:cs typeface="Times New Roman" panose="02020603050405020304" pitchFamily="18" charset="0"/>
+              </a:rPr>
+              <a:t>etc</a:t>
+            </a:r>
+            <a:r>
+              <a:rPr kumimoji="0" lang="es-ES" altLang="es-ES" sz="1800" b="0" i="0" u="none" strike="noStrike" cap="none" normalizeH="0" baseline="0" dirty="0" smtClean="0">
+                <a:ln>
+                  <a:noFill/>
+                </a:ln>
+                <a:solidFill>
+                  <a:srgbClr val="333333"/>
+                </a:solidFill>
+                <a:effectLst/>
+                <a:latin typeface="Helvetica" panose="020B0604020202020204" pitchFamily="34" charset="0"/>
+                <a:cs typeface="Times New Roman" panose="02020603050405020304" pitchFamily="18" charset="0"/>
+              </a:rPr>
+              <a:t>/php5/</a:t>
+            </a:r>
+            <a:r>
+              <a:rPr kumimoji="0" lang="es-ES" altLang="es-ES" sz="1800" b="0" i="0" u="none" strike="noStrike" cap="none" normalizeH="0" baseline="0" dirty="0" err="1" smtClean="0">
+                <a:ln>
+                  <a:noFill/>
+                </a:ln>
+                <a:solidFill>
+                  <a:srgbClr val="333333"/>
+                </a:solidFill>
+                <a:effectLst/>
+                <a:latin typeface="Helvetica" panose="020B0604020202020204" pitchFamily="34" charset="0"/>
+                <a:cs typeface="Times New Roman" panose="02020603050405020304" pitchFamily="18" charset="0"/>
+              </a:rPr>
+              <a:t>conf.d</a:t>
+            </a:r>
+            <a:endParaRPr kumimoji="0" lang="es-ES" altLang="es-ES" sz="1800" b="0" i="0" u="none" strike="noStrike" cap="none" normalizeH="0" baseline="0" dirty="0" smtClean="0">
+              <a:ln>
+                <a:noFill/>
+              </a:ln>
+              <a:solidFill>
+                <a:srgbClr val="333333"/>
+              </a:solidFill>
+              <a:effectLst/>
+              <a:latin typeface="Helvetica" panose="020B0604020202020204" pitchFamily="34" charset="0"/>
+              <a:cs typeface="Times New Roman" panose="02020603050405020304" pitchFamily="18" charset="0"/>
+            </a:endParaRPr>
+          </a:p>
+          <a:p>
+            <a:pPr marL="0" marR="0" lvl="0" indent="0" algn="l" defTabSz="914400" rtl="0" eaLnBrk="0" fontAlgn="base" latinLnBrk="0" hangingPunct="0">
+              <a:lnSpc>
+                <a:spcPct val="100000"/>
+              </a:lnSpc>
+              <a:spcBef>
+                <a:spcPct val="0"/>
+              </a:spcBef>
+              <a:spcAft>
+                <a:spcPct val="0"/>
+              </a:spcAft>
+              <a:buClrTx/>
+              <a:buSzTx/>
+              <a:buFontTx/>
               <a:buNone/>
+              <a:tabLst/>
             </a:pPr>
             <a:r>
-              <a:rPr lang="es-ES" dirty="0" smtClean="0"/>
-              <a:t>	-</a:t>
-            </a:r>
-            <a:r>
-              <a:rPr lang="es-ES" b="1" dirty="0" smtClean="0"/>
-              <a:t>Ubuntu/</a:t>
-            </a:r>
-            <a:r>
-              <a:rPr lang="es-ES" b="1" dirty="0" err="1" smtClean="0"/>
-              <a:t>Debian</a:t>
-            </a:r>
-            <a:r>
-              <a:rPr lang="es-ES" dirty="0" smtClean="0"/>
-              <a:t>: sudo </a:t>
-            </a:r>
-            <a:r>
-              <a:rPr lang="es-ES" dirty="0" err="1" smtClean="0"/>
-              <a:t>apt-get</a:t>
-            </a:r>
-            <a:r>
-              <a:rPr lang="es-ES" dirty="0" smtClean="0"/>
-              <a:t> </a:t>
-            </a:r>
-            <a:r>
-              <a:rPr lang="es-ES" dirty="0" err="1" smtClean="0"/>
-              <a:t>install</a:t>
-            </a:r>
-            <a:r>
-              <a:rPr lang="es-ES" dirty="0" smtClean="0"/>
-              <a:t> </a:t>
-            </a:r>
-            <a:r>
-              <a:rPr lang="es-ES" dirty="0" err="1" smtClean="0"/>
-              <a:t>memcached</a:t>
-            </a:r>
-            <a:endParaRPr lang="es-ES" dirty="0" smtClean="0"/>
-          </a:p>
-          <a:p>
-            <a:pPr>
+              <a:rPr kumimoji="0" lang="es-ES" altLang="es-ES" sz="1800" b="0" i="0" u="none" strike="noStrike" cap="none" normalizeH="0" baseline="0" dirty="0" smtClean="0">
+                <a:ln>
+                  <a:noFill/>
+                </a:ln>
+                <a:solidFill>
+                  <a:srgbClr val="333333"/>
+                </a:solidFill>
+                <a:effectLst/>
+                <a:latin typeface="Helvetica" panose="020B0604020202020204" pitchFamily="34" charset="0"/>
+                <a:cs typeface="Times New Roman" panose="02020603050405020304" pitchFamily="18" charset="0"/>
+              </a:rPr>
+              <a:t>y </a:t>
+            </a:r>
+            <a:r>
+              <a:rPr kumimoji="0" lang="es-ES" altLang="es-ES" sz="1800" b="0" i="0" u="none" strike="noStrike" cap="none" normalizeH="0" baseline="0" dirty="0" err="1" smtClean="0">
+                <a:ln>
+                  <a:noFill/>
+                </a:ln>
+                <a:solidFill>
+                  <a:srgbClr val="333333"/>
+                </a:solidFill>
+                <a:effectLst/>
+                <a:latin typeface="Helvetica" panose="020B0604020202020204" pitchFamily="34" charset="0"/>
+                <a:cs typeface="Times New Roman" panose="02020603050405020304" pitchFamily="18" charset="0"/>
+              </a:rPr>
+              <a:t>descomentamos</a:t>
+            </a:r>
+            <a:r>
+              <a:rPr kumimoji="0" lang="es-ES" altLang="es-ES" sz="1800" b="0" i="0" u="none" strike="noStrike" cap="none" normalizeH="0" baseline="0" dirty="0" smtClean="0">
+                <a:ln>
+                  <a:noFill/>
+                </a:ln>
+                <a:solidFill>
+                  <a:srgbClr val="333333"/>
+                </a:solidFill>
+                <a:effectLst/>
+                <a:latin typeface="Helvetica" panose="020B0604020202020204" pitchFamily="34" charset="0"/>
+                <a:cs typeface="Times New Roman" panose="02020603050405020304" pitchFamily="18" charset="0"/>
+              </a:rPr>
+              <a:t> la línea que contiene el siguiente texto: </a:t>
+            </a:r>
+          </a:p>
+          <a:p>
+            <a:pPr marL="0" marR="0" lvl="0" indent="0" algn="l" defTabSz="914400" rtl="0" eaLnBrk="0" fontAlgn="base" latinLnBrk="0" hangingPunct="0">
+              <a:lnSpc>
+                <a:spcPct val="100000"/>
+              </a:lnSpc>
+              <a:spcBef>
+                <a:spcPct val="0"/>
+              </a:spcBef>
+              <a:spcAft>
+                <a:spcPct val="0"/>
+              </a:spcAft>
+              <a:buClrTx/>
+              <a:buSzTx/>
+              <a:buFontTx/>
               <a:buNone/>
+              <a:tabLst/>
             </a:pPr>
             <a:r>
-              <a:rPr lang="es-ES" dirty="0" smtClean="0"/>
-              <a:t>	-</a:t>
-            </a:r>
-            <a:r>
-              <a:rPr lang="es-ES" b="1" dirty="0" err="1" smtClean="0"/>
-              <a:t>RedHat</a:t>
-            </a:r>
-            <a:r>
-              <a:rPr lang="es-ES" b="1" dirty="0" smtClean="0"/>
+              <a:rPr kumimoji="0" lang="es-ES" altLang="es-ES" sz="1800" b="0" i="0" u="none" strike="noStrike" cap="none" normalizeH="0" baseline="0" dirty="0" smtClean="0">
+                <a:ln>
+                  <a:noFill/>
+                </a:ln>
+                <a:solidFill>
+                  <a:srgbClr val="333333"/>
+                </a:solidFill>
+                <a:effectLst/>
+                <a:latin typeface="Consolas" panose="020B0609020204030204" pitchFamily="49" charset="0"/>
+                <a:cs typeface="Consolas" panose="020B0609020204030204" pitchFamily="49" charset="0"/>
+              </a:rPr>
+              <a:t>extension=memcached.so</a:t>
+            </a:r>
+          </a:p>
+          <a:p>
+            <a:pPr marL="0" marR="0" lvl="0" indent="0" algn="l" defTabSz="914400" rtl="0" eaLnBrk="0" fontAlgn="base" latinLnBrk="0" hangingPunct="0">
+              <a:lnSpc>
+                <a:spcPct val="100000"/>
+              </a:lnSpc>
+              <a:spcBef>
+                <a:spcPct val="0"/>
+              </a:spcBef>
+              <a:spcAft>
+                <a:spcPct val="0"/>
+              </a:spcAft>
+              <a:buClrTx/>
+              <a:buSzTx/>
+              <a:buFontTx/>
+              <a:buNone/>
+              <a:tabLst/>
+            </a:pPr>
+            <a:endParaRPr kumimoji="0" lang="es-ES" altLang="es-ES" sz="1800" b="0" i="0" u="none" strike="noStrike" cap="none" normalizeH="0" baseline="0" dirty="0" smtClean="0">
+              <a:ln>
+                <a:noFill/>
+              </a:ln>
+              <a:solidFill>
+                <a:srgbClr val="333333"/>
+              </a:solidFill>
+              <a:effectLst/>
+              <a:latin typeface="Helvetica" panose="020B0604020202020204" pitchFamily="34" charset="0"/>
+              <a:cs typeface="Times New Roman" panose="02020603050405020304" pitchFamily="18" charset="0"/>
+            </a:endParaRPr>
+          </a:p>
+          <a:p>
+            <a:pPr marL="0" marR="0" lvl="0" indent="0" algn="l" defTabSz="914400" rtl="0" eaLnBrk="0" fontAlgn="base" latinLnBrk="0" hangingPunct="0">
+              <a:lnSpc>
+                <a:spcPct val="100000"/>
+              </a:lnSpc>
+              <a:spcBef>
+                <a:spcPct val="0"/>
+              </a:spcBef>
+              <a:spcAft>
+                <a:spcPct val="0"/>
+              </a:spcAft>
+              <a:buClrTx/>
+              <a:buSzTx/>
+              <a:buFontTx/>
+              <a:buNone/>
+              <a:tabLst/>
+            </a:pPr>
+            <a:r>
+              <a:rPr kumimoji="0" lang="es-ES" altLang="es-ES" sz="1800" b="0" i="0" u="none" strike="noStrike" cap="none" normalizeH="0" baseline="0" dirty="0" smtClean="0">
+                <a:ln>
+                  <a:noFill/>
+                </a:ln>
+                <a:solidFill>
+                  <a:srgbClr val="333333"/>
+                </a:solidFill>
+                <a:effectLst/>
+                <a:latin typeface="Helvetica" panose="020B0604020202020204" pitchFamily="34" charset="0"/>
+                <a:cs typeface="Times New Roman" panose="02020603050405020304" pitchFamily="18" charset="0"/>
+              </a:rPr>
+              <a:t>Reiniciamos Apache para actualizar los cambios:</a:t>
+            </a:r>
+          </a:p>
+          <a:p>
+            <a:pPr marL="0" marR="0" lvl="0" indent="0" algn="l" defTabSz="914400" rtl="0" eaLnBrk="0" fontAlgn="base" latinLnBrk="0" hangingPunct="0">
+              <a:lnSpc>
+                <a:spcPct val="100000"/>
+              </a:lnSpc>
+              <a:spcBef>
+                <a:spcPct val="0"/>
+              </a:spcBef>
+              <a:spcAft>
+                <a:spcPct val="0"/>
+              </a:spcAft>
+              <a:buClrTx/>
+              <a:buSzTx/>
+              <a:buFontTx/>
+              <a:buNone/>
+              <a:tabLst/>
+            </a:pPr>
+            <a:endParaRPr kumimoji="0" lang="es-ES" altLang="es-ES" sz="1800" b="0" i="0" u="none" strike="noStrike" cap="none" normalizeH="0" baseline="0" dirty="0" smtClean="0">
+              <a:ln>
+                <a:noFill/>
+              </a:ln>
+              <a:solidFill>
+                <a:srgbClr val="333333"/>
+              </a:solidFill>
+              <a:effectLst/>
+              <a:latin typeface="Helvetica" panose="020B0604020202020204" pitchFamily="34" charset="0"/>
+              <a:cs typeface="Times New Roman" panose="02020603050405020304" pitchFamily="18" charset="0"/>
+            </a:endParaRPr>
+          </a:p>
+          <a:p>
+            <a:pPr marL="0" marR="0" lvl="0" indent="0" algn="l" defTabSz="914400" rtl="0" eaLnBrk="0" fontAlgn="base" latinLnBrk="0" hangingPunct="0">
+              <a:lnSpc>
+                <a:spcPct val="100000"/>
+              </a:lnSpc>
+              <a:spcBef>
+                <a:spcPct val="0"/>
+              </a:spcBef>
+              <a:spcAft>
+                <a:spcPct val="0"/>
+              </a:spcAft>
+              <a:buClrTx/>
+              <a:buSzTx/>
+              <a:buFontTx/>
+              <a:buNone/>
+              <a:tabLst/>
+            </a:pPr>
+            <a:r>
+              <a:rPr kumimoji="0" lang="es-ES" altLang="es-ES" sz="1800" b="0" i="0" u="none" strike="noStrike" cap="none" normalizeH="0" baseline="0" dirty="0" smtClean="0">
+                <a:ln>
+                  <a:noFill/>
+                </a:ln>
+                <a:solidFill>
+                  <a:srgbClr val="333333"/>
+                </a:solidFill>
+                <a:effectLst/>
+                <a:latin typeface="Consolas" panose="020B0609020204030204" pitchFamily="49" charset="0"/>
+                <a:cs typeface="Consolas" panose="020B0609020204030204" pitchFamily="49" charset="0"/>
+              </a:rPr>
+              <a:t>sudo /</a:t>
+            </a:r>
+            <a:r>
+              <a:rPr kumimoji="0" lang="es-ES" altLang="es-ES" sz="1800" b="0" i="0" u="none" strike="noStrike" cap="none" normalizeH="0" baseline="0" dirty="0" err="1" smtClean="0">
+                <a:ln>
+                  <a:noFill/>
+                </a:ln>
+                <a:solidFill>
+                  <a:srgbClr val="333333"/>
+                </a:solidFill>
+                <a:effectLst/>
+                <a:latin typeface="Consolas" panose="020B0609020204030204" pitchFamily="49" charset="0"/>
+                <a:cs typeface="Consolas" panose="020B0609020204030204" pitchFamily="49" charset="0"/>
+              </a:rPr>
+              <a:t>etc</a:t>
+            </a:r>
+            <a:r>
+              <a:rPr kumimoji="0" lang="es-ES" altLang="es-ES" sz="1800" b="0" i="0" u="none" strike="noStrike" cap="none" normalizeH="0" baseline="0" dirty="0" smtClean="0">
+                <a:ln>
+                  <a:noFill/>
+                </a:ln>
+                <a:solidFill>
+                  <a:srgbClr val="333333"/>
+                </a:solidFill>
+                <a:effectLst/>
+                <a:latin typeface="Consolas" panose="020B0609020204030204" pitchFamily="49" charset="0"/>
+                <a:cs typeface="Consolas" panose="020B0609020204030204" pitchFamily="49" charset="0"/>
+              </a:rPr>
               <a:t>/</a:t>
             </a:r>
             <a:r>
-              <a:rPr lang="es-ES" b="1" dirty="0" err="1" smtClean="0"/>
-              <a:t>Fedora</a:t>
-            </a:r>
-            <a:r>
-              <a:rPr lang="es-ES" dirty="0" smtClean="0"/>
-              <a:t>: </a:t>
-            </a:r>
-            <a:r>
-              <a:rPr lang="es-ES" dirty="0" err="1" smtClean="0"/>
-              <a:t>yum</a:t>
-            </a:r>
-            <a:r>
-              <a:rPr lang="es-ES" dirty="0" smtClean="0"/>
-              <a:t> </a:t>
-            </a:r>
-            <a:r>
-              <a:rPr lang="es-ES" dirty="0" err="1" smtClean="0"/>
-              <a:t>install</a:t>
-            </a:r>
-            <a:r>
-              <a:rPr lang="es-ES" dirty="0" smtClean="0"/>
-              <a:t> </a:t>
-            </a:r>
-            <a:r>
-              <a:rPr lang="es-ES" dirty="0" err="1" smtClean="0"/>
-              <a:t>memcached</a:t>
-            </a:r>
-            <a:endParaRPr lang="es-ES" dirty="0" smtClean="0"/>
-          </a:p>
-          <a:p>
-            <a:pPr>
-              <a:buNone/>
-            </a:pPr>
-            <a:r>
-              <a:rPr lang="es-ES" dirty="0" smtClean="0"/>
-              <a:t>	-</a:t>
-            </a:r>
-            <a:r>
-              <a:rPr lang="es-ES" b="1" dirty="0" err="1" smtClean="0"/>
-              <a:t>FreeBSD</a:t>
-            </a:r>
-            <a:r>
-              <a:rPr lang="es-ES" dirty="0" smtClean="0"/>
-              <a:t>: </a:t>
-            </a:r>
-            <a:r>
-              <a:rPr lang="es-ES" dirty="0" err="1" smtClean="0"/>
-              <a:t>portmaster</a:t>
-            </a:r>
-            <a:r>
-              <a:rPr lang="es-ES" dirty="0" smtClean="0"/>
-              <a:t> </a:t>
-            </a:r>
-            <a:r>
-              <a:rPr lang="es-ES" dirty="0" err="1" smtClean="0"/>
-              <a:t>databases</a:t>
-            </a:r>
-            <a:r>
-              <a:rPr lang="es-ES" dirty="0" smtClean="0"/>
-              <a:t>/</a:t>
-            </a:r>
-            <a:r>
-              <a:rPr lang="es-ES" dirty="0" err="1" smtClean="0"/>
-              <a:t>memcached</a:t>
-            </a:r>
-            <a:endParaRPr lang="es-ES" dirty="0" smtClean="0"/>
-          </a:p>
-          <a:p>
-            <a:endParaRPr lang="es-ES" dirty="0"/>
-          </a:p>
-        </p:txBody>
-      </p:sp>
-      <p:sp>
-        <p:nvSpPr>
-          <p:cNvPr id="3" name="2 Título"/>
-          <p:cNvSpPr>
-            <a:spLocks noGrp="1"/>
-          </p:cNvSpPr>
-          <p:nvPr>
-            <p:ph type="title"/>
-          </p:nvPr>
-        </p:nvSpPr>
-        <p:spPr/>
-        <p:txBody>
-          <a:bodyPr/>
-          <a:lstStyle/>
-          <a:p>
-            <a:r>
-              <a:rPr lang="es-ES" dirty="0" smtClean="0"/>
-              <a:t>Instalación</a:t>
-            </a:r>
-            <a:endParaRPr lang="es-ES" dirty="0"/>
-          </a:p>
-        </p:txBody>
-      </p:sp>
+              <a:rPr kumimoji="0" lang="es-ES" altLang="es-ES" sz="1800" b="0" i="0" u="none" strike="noStrike" cap="none" normalizeH="0" baseline="0" dirty="0" err="1" smtClean="0">
+                <a:ln>
+                  <a:noFill/>
+                </a:ln>
+                <a:solidFill>
+                  <a:srgbClr val="333333"/>
+                </a:solidFill>
+                <a:effectLst/>
+                <a:latin typeface="Consolas" panose="020B0609020204030204" pitchFamily="49" charset="0"/>
+                <a:cs typeface="Consolas" panose="020B0609020204030204" pitchFamily="49" charset="0"/>
+              </a:rPr>
+              <a:t>init.d</a:t>
+            </a:r>
+            <a:r>
+              <a:rPr kumimoji="0" lang="es-ES" altLang="es-ES" sz="1800" b="0" i="0" u="none" strike="noStrike" cap="none" normalizeH="0" baseline="0" dirty="0" smtClean="0">
+                <a:ln>
+                  <a:noFill/>
+                </a:ln>
+                <a:solidFill>
+                  <a:srgbClr val="333333"/>
+                </a:solidFill>
+                <a:effectLst/>
+                <a:latin typeface="Consolas" panose="020B0609020204030204" pitchFamily="49" charset="0"/>
+                <a:cs typeface="Consolas" panose="020B0609020204030204" pitchFamily="49" charset="0"/>
+              </a:rPr>
+              <a:t>/apache2 </a:t>
+            </a:r>
+            <a:r>
+              <a:rPr kumimoji="0" lang="es-ES" altLang="es-ES" sz="1800" b="0" i="0" u="none" strike="noStrike" cap="none" normalizeH="0" baseline="0" dirty="0" err="1" smtClean="0">
+                <a:ln>
+                  <a:noFill/>
+                </a:ln>
+                <a:solidFill>
+                  <a:srgbClr val="333333"/>
+                </a:solidFill>
+                <a:effectLst/>
+                <a:latin typeface="Consolas" panose="020B0609020204030204" pitchFamily="49" charset="0"/>
+                <a:cs typeface="Consolas" panose="020B0609020204030204" pitchFamily="49" charset="0"/>
+              </a:rPr>
+              <a:t>restart</a:t>
+            </a:r>
+            <a:endParaRPr kumimoji="0" lang="es-ES" altLang="es-ES" sz="1800" b="0" i="0" u="none" strike="noStrike" cap="none" normalizeH="0" baseline="0" dirty="0" smtClean="0">
+              <a:ln>
+                <a:noFill/>
+              </a:ln>
+              <a:solidFill>
+                <a:schemeClr val="tx1"/>
+              </a:solidFill>
+              <a:effectLst/>
+              <a:latin typeface="Arial" panose="020B0604020202020204" pitchFamily="34" charset="0"/>
+            </a:endParaRPr>
+          </a:p>
+        </p:txBody>
+      </p:sp>
+      <p:pic>
+        <p:nvPicPr>
+          <p:cNvPr id="5" name="Imagen 4"/>
+          <p:cNvPicPr>
+            <a:picLocks noChangeAspect="1"/>
+          </p:cNvPicPr>
+          <p:nvPr/>
+        </p:nvPicPr>
+        <p:blipFill>
+          <a:blip r:embed="rId2">
+            <a:extLst>
+              <a:ext uri="{28A0092B-C50C-407E-A947-70E740481C1C}">
+                <a14:useLocalDpi xmlns:a14="http://schemas.microsoft.com/office/drawing/2010/main" val="0"/>
+              </a:ext>
+            </a:extLst>
+          </a:blip>
+          <a:stretch>
+            <a:fillRect/>
+          </a:stretch>
+        </p:blipFill>
+        <p:spPr>
+          <a:xfrm>
+            <a:off x="1187624" y="620688"/>
+            <a:ext cx="6866667" cy="2552381"/>
+          </a:xfrm>
+          <a:prstGeom prst="rect">
+            <a:avLst/>
+          </a:prstGeom>
+        </p:spPr>
+      </p:pic>
     </p:spTree>
+    <p:extLst>
+      <p:ext uri="{BB962C8B-B14F-4D97-AF65-F5344CB8AC3E}">
+        <p14:creationId xmlns:p14="http://schemas.microsoft.com/office/powerpoint/2010/main" val="1748301422"/>
+      </p:ext>
+    </p:extLst>
   </p:cSld>
   <p:clrMapOvr>
     <a:masterClrMapping/>
@@ -5795,63 +6175,65 @@
         </p:nvSpPr>
         <p:spPr>
           <a:xfrm>
-            <a:off x="457200" y="1844824"/>
-            <a:ext cx="8229600" cy="4162467"/>
+            <a:off x="457200" y="1417638"/>
+            <a:ext cx="8229600" cy="4589653"/>
           </a:xfrm>
         </p:spPr>
         <p:txBody>
-          <a:bodyPr/>
+          <a:bodyPr>
+            <a:normAutofit/>
+          </a:bodyPr>
           <a:lstStyle/>
           <a:p>
             <a:r>
-              <a:rPr lang="es-ES" dirty="0" smtClean="0"/>
+              <a:rPr lang="es-ES" sz="3600" dirty="0" smtClean="0"/>
               <a:t>¿Qué es </a:t>
             </a:r>
             <a:r>
-              <a:rPr lang="es-ES" dirty="0" err="1" smtClean="0"/>
-              <a:t>memcached</a:t>
-            </a:r>
-            <a:r>
-              <a:rPr lang="es-ES" dirty="0" smtClean="0"/>
+              <a:rPr lang="es-ES" sz="3600" dirty="0" err="1" smtClean="0"/>
+              <a:t>Memcached</a:t>
+            </a:r>
+            <a:r>
+              <a:rPr lang="es-ES" sz="3600" dirty="0" smtClean="0"/>
               <a:t>?</a:t>
             </a:r>
           </a:p>
           <a:p>
             <a:r>
-              <a:rPr lang="es-ES" dirty="0" smtClean="0"/>
+              <a:rPr lang="es-ES" sz="3600" dirty="0" smtClean="0"/>
               <a:t>Funcionamiento</a:t>
             </a:r>
           </a:p>
           <a:p>
             <a:r>
-              <a:rPr lang="es-ES" dirty="0" smtClean="0"/>
+              <a:rPr lang="es-ES" sz="3600" dirty="0" smtClean="0"/>
               <a:t>¿Quiénes lo usan?</a:t>
             </a:r>
           </a:p>
           <a:p>
             <a:r>
-              <a:rPr lang="es-ES" dirty="0" smtClean="0"/>
+              <a:rPr lang="es-ES" sz="3600" dirty="0" smtClean="0"/>
               <a:t>Instrucciones</a:t>
             </a:r>
           </a:p>
           <a:p>
             <a:r>
-              <a:rPr lang="es-ES" dirty="0" smtClean="0"/>
+              <a:rPr lang="es-ES" sz="3600" dirty="0" smtClean="0"/>
               <a:t>Ventajas</a:t>
             </a:r>
           </a:p>
           <a:p>
             <a:r>
-              <a:rPr lang="es-ES" dirty="0" smtClean="0"/>
+              <a:rPr lang="es-ES" sz="3600" dirty="0" smtClean="0"/>
               <a:t>Instalación</a:t>
             </a:r>
           </a:p>
           <a:p>
             <a:r>
-              <a:rPr lang="es-ES" dirty="0" smtClean="0"/>
+              <a:rPr lang="es-ES" sz="3600" dirty="0" smtClean="0"/>
               <a:t>Ejemplo de uso</a:t>
             </a:r>
-            <a:endParaRPr lang="es-ES" dirty="0"/>
+            <a:endParaRPr lang="es-ES" sz="3600" dirty="0"/>
           </a:p>
         </p:txBody>
       </p:sp>
@@ -5867,14 +6249,17 @@
         </p:nvSpPr>
         <p:spPr/>
         <p:txBody>
-          <a:bodyPr/>
+          <a:bodyPr>
+            <a:normAutofit/>
+          </a:bodyPr>
           <a:lstStyle/>
           <a:p>
-            <a:r>
-              <a:rPr lang="es-ES" dirty="0" smtClean="0"/>
+            <a:pPr algn="ctr"/>
+            <a:r>
+              <a:rPr lang="es-ES" sz="6000" u="sng" dirty="0" smtClean="0"/>
               <a:t>Índice</a:t>
             </a:r>
-            <a:endParaRPr lang="es-ES" dirty="0"/>
+            <a:endParaRPr lang="es-ES" sz="6000" u="sng" dirty="0"/>
           </a:p>
         </p:txBody>
       </p:sp>
@@ -5966,13 +6351,14 @@
           <a:bodyPr/>
           <a:lstStyle/>
           <a:p>
+            <a:pPr algn="ctr"/>
             <a:r>
               <a:rPr lang="es-ES" dirty="0" smtClean="0"/>
               <a:t>¿Qué es </a:t>
             </a:r>
             <a:r>
               <a:rPr lang="es-ES" dirty="0" err="1" smtClean="0"/>
-              <a:t>memcached</a:t>
+              <a:t>Memcached</a:t>
             </a:r>
             <a:r>
               <a:rPr lang="es-ES" dirty="0" smtClean="0"/>
@@ -6069,6 +6455,7 @@
           <a:bodyPr/>
           <a:lstStyle/>
           <a:p>
+            <a:pPr algn="ctr"/>
             <a:r>
               <a:rPr lang="es-ES" dirty="0" smtClean="0"/>
               <a:t>Funcionamiento</a:t>
@@ -6086,65 +6473,6 @@
 </file>
 
 <file path=ppt/slides/slide5.xml><?xml version="1.0" encoding="utf-8"?>
-<p:sld xmlns:a="http://schemas.openxmlformats.org/drawingml/2006/main" xmlns:r="http://schemas.openxmlformats.org/officeDocument/2006/relationships" xmlns:p="http://schemas.openxmlformats.org/presentationml/2006/main">
-  <p:cSld>
-    <p:spTree>
-      <p:nvGrpSpPr>
-        <p:cNvPr id="1" name=""/>
-        <p:cNvGrpSpPr/>
-        <p:nvPr/>
-      </p:nvGrpSpPr>
-      <p:grpSpPr>
-        <a:xfrm>
-          <a:off x="0" y="0"/>
-          <a:ext cx="0" cy="0"/>
-          <a:chOff x="0" y="0"/>
-          <a:chExt cx="0" cy="0"/>
-        </a:xfrm>
-      </p:grpSpPr>
-      <p:pic>
-        <p:nvPicPr>
-          <p:cNvPr id="4" name="Marcador de contenido 3"/>
-          <p:cNvPicPr>
-            <a:picLocks noGrp="1" noChangeAspect="1"/>
-          </p:cNvPicPr>
-          <p:nvPr>
-            <p:ph idx="1"/>
-          </p:nvPr>
-        </p:nvPicPr>
-        <p:blipFill>
-          <a:blip r:embed="rId2">
-            <a:extLst>
-              <a:ext uri="{28A0092B-C50C-407E-A947-70E740481C1C}">
-                <a14:useLocalDpi xmlns:a14="http://schemas.microsoft.com/office/drawing/2010/main" val="0"/>
-              </a:ext>
-            </a:extLst>
-          </a:blip>
-          <a:stretch>
-            <a:fillRect/>
-          </a:stretch>
-        </p:blipFill>
-        <p:spPr>
-          <a:xfrm>
-            <a:off x="1907704" y="836712"/>
-            <a:ext cx="5649178" cy="4745309"/>
-          </a:xfrm>
-        </p:spPr>
-      </p:pic>
-    </p:spTree>
-    <p:extLst>
-      <p:ext uri="{BB962C8B-B14F-4D97-AF65-F5344CB8AC3E}">
-        <p14:creationId xmlns:p14="http://schemas.microsoft.com/office/powerpoint/2010/main" val="3033980152"/>
-      </p:ext>
-    </p:extLst>
-  </p:cSld>
-  <p:clrMapOvr>
-    <a:masterClrMapping/>
-  </p:clrMapOvr>
-</p:sld>
-</file>
-
-<file path=ppt/slides/slide6.xml><?xml version="1.0" encoding="utf-8"?>
 <p:sld xmlns:a="http://schemas.openxmlformats.org/drawingml/2006/main" xmlns:r="http://schemas.openxmlformats.org/officeDocument/2006/relationships" xmlns:p="http://schemas.openxmlformats.org/presentationml/2006/main">
   <p:cSld>
     <p:spTree>
@@ -6277,6 +6605,7 @@
           <a:bodyPr/>
           <a:lstStyle/>
           <a:p>
+            <a:pPr algn="ctr"/>
             <a:r>
               <a:rPr lang="es-ES" dirty="0" smtClean="0"/>
               <a:t>¿Quiénes lo usan?</a:t>
@@ -6413,7 +6742,7 @@
 </p:sld>
 </file>
 
-<file path=ppt/slides/slide7.xml><?xml version="1.0" encoding="utf-8"?>
+<file path=ppt/slides/slide6.xml><?xml version="1.0" encoding="utf-8"?>
 <p:sld xmlns:a="http://schemas.openxmlformats.org/drawingml/2006/main" xmlns:r="http://schemas.openxmlformats.org/officeDocument/2006/relationships" xmlns:p="http://schemas.openxmlformats.org/presentationml/2006/main">
   <p:cSld>
     <p:spTree>
@@ -6450,6 +6779,7 @@
           <a:bodyPr/>
           <a:lstStyle/>
           <a:p>
+            <a:pPr algn="ctr"/>
             <a:r>
               <a:rPr lang="es-ES" dirty="0" smtClean="0"/>
               <a:t>Instrucciones</a:t>
@@ -6566,7 +6896,6 @@
               <a:rPr lang="es-ES" dirty="0"/>
               <a:t> no existe en el servidor.</a:t>
             </a:r>
-            <a:endParaRPr lang="es-ES" dirty="0"/>
           </a:p>
         </p:txBody>
       </p:sp>
@@ -6602,7 +6931,7 @@
 </p:sld>
 </file>
 
-<file path=ppt/slides/slide8.xml><?xml version="1.0" encoding="utf-8"?>
+<file path=ppt/slides/slide7.xml><?xml version="1.0" encoding="utf-8"?>
 <p:sld xmlns:a="http://schemas.openxmlformats.org/drawingml/2006/main" xmlns:r="http://schemas.openxmlformats.org/officeDocument/2006/relationships" xmlns:p="http://schemas.openxmlformats.org/presentationml/2006/main">
   <p:cSld>
     <p:spTree>
@@ -6643,12 +6972,16 @@
           </a:p>
           <a:p>
             <a:r>
+              <a:rPr lang="es-ES" b="1" dirty="0" err="1"/>
+              <a:t>A</a:t>
+            </a:r>
+            <a:r>
               <a:rPr lang="es-ES" b="1" dirty="0" err="1" smtClean="0"/>
-              <a:t>addServer</a:t>
+              <a:t>ddServer</a:t>
             </a:r>
             <a:r>
               <a:rPr lang="es-ES" b="1" dirty="0" smtClean="0"/>
-              <a:t>()</a:t>
+              <a:t>( )</a:t>
             </a:r>
             <a:r>
               <a:rPr lang="es-ES" dirty="0" smtClean="0"/>
@@ -6719,7 +7052,7 @@
 </p:sld>
 </file>
 
-<file path=ppt/slides/slide9.xml><?xml version="1.0" encoding="utf-8"?>
+<file path=ppt/slides/slide8.xml><?xml version="1.0" encoding="utf-8"?>
 <p:sld xmlns:a="http://schemas.openxmlformats.org/drawingml/2006/main" xmlns:r="http://schemas.openxmlformats.org/officeDocument/2006/relationships" xmlns:p="http://schemas.openxmlformats.org/presentationml/2006/main">
   <p:cSld>
     <p:spTree>
@@ -6753,7 +7086,9 @@
           </a:xfrm>
         </p:spPr>
         <p:txBody>
-          <a:bodyPr/>
+          <a:bodyPr>
+            <a:normAutofit/>
+          </a:bodyPr>
           <a:lstStyle/>
           <a:p>
             <a:r>
@@ -6762,7 +7097,7 @@
             </a:r>
             <a:r>
               <a:rPr lang="es-ES" dirty="0" smtClean="0"/>
-              <a:t>(): </a:t>
+              <a:t>( ): </a:t>
             </a:r>
             <a:r>
               <a:rPr lang="es-ES" dirty="0"/>
@@ -6791,11 +7126,55 @@
           <a:p>
             <a:r>
               <a:rPr lang="es-ES" dirty="0" err="1" smtClean="0"/>
+              <a:t>Delete</a:t>
+            </a:r>
+            <a:r>
+              <a:rPr lang="es-ES" dirty="0" smtClean="0"/>
+              <a:t>( ): </a:t>
+            </a:r>
+            <a:r>
+              <a:rPr lang="es-ES" dirty="0"/>
+              <a:t>Esta función elimina la clave de </a:t>
+            </a:r>
+            <a:r>
+              <a:rPr lang="es-ES" dirty="0" err="1"/>
+              <a:t>memcached</a:t>
+            </a:r>
+            <a:r>
+              <a:rPr lang="es-ES" dirty="0" smtClean="0"/>
+              <a:t>. </a:t>
+            </a:r>
+          </a:p>
+          <a:p>
+            <a:pPr marL="109728" indent="0" algn="ctr">
+              <a:buNone/>
+            </a:pPr>
+            <a:r>
+              <a:rPr lang="en-US" sz="1400" b="1" dirty="0" smtClean="0"/>
+              <a:t>delete(string </a:t>
+            </a:r>
+            <a:r>
+              <a:rPr lang="en-US" sz="1400" b="1" dirty="0"/>
+              <a:t>$key [, </a:t>
+            </a:r>
+            <a:r>
+              <a:rPr lang="en-US" sz="1400" b="1" dirty="0" err="1"/>
+              <a:t>int</a:t>
+            </a:r>
+            <a:r>
+              <a:rPr lang="en-US" sz="1400" b="1" dirty="0"/>
+              <a:t> $time = 0 ])</a:t>
+            </a:r>
+            <a:endParaRPr lang="es-ES" sz="1400" dirty="0" smtClean="0"/>
+          </a:p>
+          <a:p>
+            <a:r>
+              <a:rPr lang="es-ES" dirty="0" err="1" smtClean="0"/>
               <a:t>Get</a:t>
             </a:r>
             <a:r>
               <a:rPr lang="es-ES" dirty="0" smtClean="0"/>
-              <a:t>(): </a:t>
+              <a:t>( ): </a:t>
             </a:r>
             <a:r>
               <a:rPr lang="es-ES" dirty="0"/>
@@ -6853,7 +7232,7 @@
         </p:blipFill>
         <p:spPr>
           <a:xfrm>
-            <a:off x="1547664" y="5023827"/>
+            <a:off x="4319972" y="6026776"/>
             <a:ext cx="2103796" cy="566981"/>
           </a:xfrm>
           <a:prstGeom prst="rect">
@@ -6865,6 +7244,172 @@
     <p:extLst>
       <p:ext uri="{BB962C8B-B14F-4D97-AF65-F5344CB8AC3E}">
         <p14:creationId xmlns:p14="http://schemas.microsoft.com/office/powerpoint/2010/main" val="1810763191"/>
+      </p:ext>
+    </p:extLst>
+  </p:cSld>
+  <p:clrMapOvr>
+    <a:masterClrMapping/>
+  </p:clrMapOvr>
+</p:sld>
+</file>
+
+<file path=ppt/slides/slide9.xml><?xml version="1.0" encoding="utf-8"?>
+<p:sld xmlns:a="http://schemas.openxmlformats.org/drawingml/2006/main" xmlns:r="http://schemas.openxmlformats.org/officeDocument/2006/relationships" xmlns:p="http://schemas.openxmlformats.org/presentationml/2006/main">
+  <p:cSld>
+    <p:spTree>
+      <p:nvGrpSpPr>
+        <p:cNvPr id="1" name=""/>
+        <p:cNvGrpSpPr/>
+        <p:nvPr/>
+      </p:nvGrpSpPr>
+      <p:grpSpPr>
+        <a:xfrm>
+          <a:off x="0" y="0"/>
+          <a:ext cx="0" cy="0"/>
+          <a:chOff x="0" y="0"/>
+          <a:chExt cx="0" cy="0"/>
+        </a:xfrm>
+      </p:grpSpPr>
+      <p:sp>
+        <p:nvSpPr>
+          <p:cNvPr id="2" name="Marcador de contenido 1"/>
+          <p:cNvSpPr>
+            <a:spLocks noGrp="1"/>
+          </p:cNvSpPr>
+          <p:nvPr>
+            <p:ph idx="1"/>
+          </p:nvPr>
+        </p:nvSpPr>
+        <p:spPr>
+          <a:xfrm>
+            <a:off x="457200" y="404664"/>
+            <a:ext cx="8229600" cy="5602627"/>
+          </a:xfrm>
+        </p:spPr>
+        <p:txBody>
+          <a:bodyPr/>
+          <a:lstStyle/>
+          <a:p>
+            <a:pPr marL="109728" indent="0">
+              <a:buNone/>
+            </a:pPr>
+            <a:r>
+              <a:rPr lang="es-ES" dirty="0" smtClean="0"/>
+              <a:t>Otras…</a:t>
+            </a:r>
+          </a:p>
+          <a:p>
+            <a:endParaRPr lang="es-ES" dirty="0"/>
+          </a:p>
+          <a:p>
+            <a:r>
+              <a:rPr lang="es-ES" b="1" dirty="0" err="1" smtClean="0"/>
+              <a:t>getStats</a:t>
+            </a:r>
+            <a:r>
+              <a:rPr lang="es-ES" b="1" dirty="0" smtClean="0"/>
+              <a:t>( ):</a:t>
+            </a:r>
+            <a:r>
+              <a:rPr lang="es-ES" dirty="0" smtClean="0"/>
+              <a:t> </a:t>
+            </a:r>
+            <a:r>
+              <a:rPr lang="es-ES" dirty="0" smtClean="0"/>
+              <a:t>Devuelve </a:t>
+            </a:r>
+            <a:r>
+              <a:rPr lang="es-ES" dirty="0"/>
+              <a:t>un </a:t>
+            </a:r>
+            <a:r>
+              <a:rPr lang="es-ES" dirty="0" err="1"/>
+              <a:t>array</a:t>
+            </a:r>
+            <a:r>
+              <a:rPr lang="es-ES" dirty="0"/>
+              <a:t> que contiene el estado de todos los servidores de </a:t>
+            </a:r>
+            <a:r>
+              <a:rPr lang="es-ES" dirty="0" err="1" smtClean="0"/>
+              <a:t>memcached</a:t>
+            </a:r>
+            <a:r>
+              <a:rPr lang="es-ES" dirty="0" smtClean="0"/>
+              <a:t> </a:t>
+            </a:r>
+            <a:r>
+              <a:rPr lang="es-ES" dirty="0"/>
+              <a:t>disponibles</a:t>
+            </a:r>
+            <a:r>
+              <a:rPr lang="es-ES" dirty="0" smtClean="0"/>
+              <a:t>.</a:t>
+            </a:r>
+          </a:p>
+          <a:p>
+            <a:endParaRPr lang="es-ES" dirty="0"/>
+          </a:p>
+          <a:p>
+            <a:r>
+              <a:rPr lang="es-ES" b="1" dirty="0" err="1"/>
+              <a:t>fetch</a:t>
+            </a:r>
+            <a:r>
+              <a:rPr lang="es-ES" b="1" dirty="0" smtClean="0"/>
+              <a:t>( )</a:t>
+            </a:r>
+            <a:r>
+              <a:rPr lang="es-ES" dirty="0" smtClean="0"/>
+              <a:t>: </a:t>
+            </a:r>
+            <a:r>
+              <a:rPr lang="es-ES" dirty="0" smtClean="0"/>
+              <a:t>Obtiene </a:t>
+            </a:r>
+            <a:r>
+              <a:rPr lang="es-ES" dirty="0"/>
+              <a:t>el siguiente resultado de la última petición</a:t>
+            </a:r>
+            <a:r>
+              <a:rPr lang="es-ES" dirty="0" smtClean="0"/>
+              <a:t>.</a:t>
+            </a:r>
+          </a:p>
+          <a:p>
+            <a:endParaRPr lang="es-ES" dirty="0"/>
+          </a:p>
+          <a:p>
+            <a:r>
+              <a:rPr lang="es-ES" b="1" dirty="0" err="1"/>
+              <a:t>fetchAll</a:t>
+            </a:r>
+            <a:r>
+              <a:rPr lang="es-ES" b="1" dirty="0" smtClean="0"/>
+              <a:t>( )</a:t>
+            </a:r>
+            <a:r>
+              <a:rPr lang="es-ES" dirty="0" smtClean="0"/>
+              <a:t>: </a:t>
+            </a:r>
+            <a:r>
+              <a:rPr lang="es-ES" dirty="0" smtClean="0"/>
+              <a:t>Obtiene </a:t>
+            </a:r>
+            <a:r>
+              <a:rPr lang="es-ES" dirty="0"/>
+              <a:t>todos los resultados restantes de la última petición.</a:t>
+            </a:r>
+          </a:p>
+          <a:p>
+            <a:endParaRPr lang="es-ES" dirty="0"/>
+          </a:p>
+        </p:txBody>
+      </p:sp>
+    </p:spTree>
+    <p:extLst>
+      <p:ext uri="{BB962C8B-B14F-4D97-AF65-F5344CB8AC3E}">
+        <p14:creationId xmlns:p14="http://schemas.microsoft.com/office/powerpoint/2010/main" val="27808300"/>
       </p:ext>
     </p:extLst>
   </p:cSld>
